--- a/jqm-all/jqm-doc/src/site/sphinx/files/schemas.pptx
+++ b/jqm-all/jqm-doc/src/site/sphinx/files/schemas.pptx
@@ -6,6 +6,7 @@
   </p:sldMasterIdLst>
   <p:sldIdLst>
     <p:sldId id="256" r:id="rId2"/>
+    <p:sldId id="257" r:id="rId3"/>
   </p:sldIdLst>
   <p:sldSz cx="12192000" cy="6858000"/>
   <p:notesSz cx="6858000" cy="9144000"/>
@@ -104,6 +105,11 @@
       </a:defRPr>
     </a:lvl9pPr>
   </p:defaultTextStyle>
+  <p:extLst>
+    <p:ext uri="{EFAFB233-063F-42B5-8137-9DF3F51BA10A}">
+      <p15:sldGuideLst xmlns:p15="http://schemas.microsoft.com/office/powerpoint/2012/main"/>
+    </p:ext>
+  </p:extLst>
 </p:presentation>
 </file>
 
@@ -238,7 +244,7 @@
           <a:p>
             <a:fld id="{2EBAB665-FDAC-4018-B6BF-0BAA815CD983}" type="datetimeFigureOut">
               <a:rPr lang="fr-FR" smtClean="0"/>
-              <a:t>08/02/2014</a:t>
+              <a:t>26/10/2014</a:t>
             </a:fld>
             <a:endParaRPr lang="fr-FR"/>
           </a:p>
@@ -408,7 +414,7 @@
           <a:p>
             <a:fld id="{2EBAB665-FDAC-4018-B6BF-0BAA815CD983}" type="datetimeFigureOut">
               <a:rPr lang="fr-FR" smtClean="0"/>
-              <a:t>08/02/2014</a:t>
+              <a:t>26/10/2014</a:t>
             </a:fld>
             <a:endParaRPr lang="fr-FR"/>
           </a:p>
@@ -588,7 +594,7 @@
           <a:p>
             <a:fld id="{2EBAB665-FDAC-4018-B6BF-0BAA815CD983}" type="datetimeFigureOut">
               <a:rPr lang="fr-FR" smtClean="0"/>
-              <a:t>08/02/2014</a:t>
+              <a:t>26/10/2014</a:t>
             </a:fld>
             <a:endParaRPr lang="fr-FR"/>
           </a:p>
@@ -758,7 +764,7 @@
           <a:p>
             <a:fld id="{2EBAB665-FDAC-4018-B6BF-0BAA815CD983}" type="datetimeFigureOut">
               <a:rPr lang="fr-FR" smtClean="0"/>
-              <a:t>08/02/2014</a:t>
+              <a:t>26/10/2014</a:t>
             </a:fld>
             <a:endParaRPr lang="fr-FR"/>
           </a:p>
@@ -1004,7 +1010,7 @@
           <a:p>
             <a:fld id="{2EBAB665-FDAC-4018-B6BF-0BAA815CD983}" type="datetimeFigureOut">
               <a:rPr lang="fr-FR" smtClean="0"/>
-              <a:t>08/02/2014</a:t>
+              <a:t>26/10/2014</a:t>
             </a:fld>
             <a:endParaRPr lang="fr-FR"/>
           </a:p>
@@ -1236,7 +1242,7 @@
           <a:p>
             <a:fld id="{2EBAB665-FDAC-4018-B6BF-0BAA815CD983}" type="datetimeFigureOut">
               <a:rPr lang="fr-FR" smtClean="0"/>
-              <a:t>08/02/2014</a:t>
+              <a:t>26/10/2014</a:t>
             </a:fld>
             <a:endParaRPr lang="fr-FR"/>
           </a:p>
@@ -1603,7 +1609,7 @@
           <a:p>
             <a:fld id="{2EBAB665-FDAC-4018-B6BF-0BAA815CD983}" type="datetimeFigureOut">
               <a:rPr lang="fr-FR" smtClean="0"/>
-              <a:t>08/02/2014</a:t>
+              <a:t>26/10/2014</a:t>
             </a:fld>
             <a:endParaRPr lang="fr-FR"/>
           </a:p>
@@ -1721,7 +1727,7 @@
           <a:p>
             <a:fld id="{2EBAB665-FDAC-4018-B6BF-0BAA815CD983}" type="datetimeFigureOut">
               <a:rPr lang="fr-FR" smtClean="0"/>
-              <a:t>08/02/2014</a:t>
+              <a:t>26/10/2014</a:t>
             </a:fld>
             <a:endParaRPr lang="fr-FR"/>
           </a:p>
@@ -1816,7 +1822,7 @@
           <a:p>
             <a:fld id="{2EBAB665-FDAC-4018-B6BF-0BAA815CD983}" type="datetimeFigureOut">
               <a:rPr lang="fr-FR" smtClean="0"/>
-              <a:t>08/02/2014</a:t>
+              <a:t>26/10/2014</a:t>
             </a:fld>
             <a:endParaRPr lang="fr-FR"/>
           </a:p>
@@ -2093,7 +2099,7 @@
           <a:p>
             <a:fld id="{2EBAB665-FDAC-4018-B6BF-0BAA815CD983}" type="datetimeFigureOut">
               <a:rPr lang="fr-FR" smtClean="0"/>
-              <a:t>08/02/2014</a:t>
+              <a:t>26/10/2014</a:t>
             </a:fld>
             <a:endParaRPr lang="fr-FR"/>
           </a:p>
@@ -2346,7 +2352,7 @@
           <a:p>
             <a:fld id="{2EBAB665-FDAC-4018-B6BF-0BAA815CD983}" type="datetimeFigureOut">
               <a:rPr lang="fr-FR" smtClean="0"/>
-              <a:t>08/02/2014</a:t>
+              <a:t>26/10/2014</a:t>
             </a:fld>
             <a:endParaRPr lang="fr-FR"/>
           </a:p>
@@ -2559,7 +2565,7 @@
           <a:p>
             <a:fld id="{2EBAB665-FDAC-4018-B6BF-0BAA815CD983}" type="datetimeFigureOut">
               <a:rPr lang="fr-FR" smtClean="0"/>
-              <a:t>08/02/2014</a:t>
+              <a:t>26/10/2014</a:t>
             </a:fld>
             <a:endParaRPr lang="fr-FR"/>
           </a:p>
@@ -3069,7 +3075,6 @@
               <a:rPr lang="fr-FR" sz="800" dirty="0" smtClean="0"/>
               <a:t>…</a:t>
             </a:r>
-            <a:endParaRPr lang="fr-FR" sz="800" dirty="0" smtClean="0"/>
           </a:p>
         </p:txBody>
       </p:sp>
@@ -3305,11 +3310,7 @@
           <a:p>
             <a:r>
               <a:rPr lang="fr-FR" sz="800" dirty="0" err="1" smtClean="0"/>
-              <a:t>Enqueu</a:t>
-            </a:r>
-            <a:r>
-              <a:rPr lang="fr-FR" sz="800" dirty="0" err="1" smtClean="0"/>
-              <a:t>e</a:t>
+              <a:t>Enqueue</a:t>
             </a:r>
             <a:r>
               <a:rPr lang="fr-FR" sz="800" dirty="0" smtClean="0"/>
@@ -3343,7 +3344,6 @@
               <a:rPr lang="fr-FR" sz="800" dirty="0" smtClean="0"/>
               <a:t>…</a:t>
             </a:r>
-            <a:endParaRPr lang="fr-FR" sz="800" dirty="0" smtClean="0"/>
           </a:p>
         </p:txBody>
       </p:sp>
@@ -4059,6 +4059,791 @@
     <p:extLst>
       <p:ext uri="{BB962C8B-B14F-4D97-AF65-F5344CB8AC3E}">
         <p14:creationId xmlns:p14="http://schemas.microsoft.com/office/powerpoint/2010/main" val="3863786581"/>
+      </p:ext>
+    </p:extLst>
+  </p:cSld>
+  <p:clrMapOvr>
+    <a:masterClrMapping/>
+  </p:clrMapOvr>
+</p:sld>
+</file>
+
+<file path=ppt/slides/slide2.xml><?xml version="1.0" encoding="utf-8"?>
+<p:sld xmlns:a="http://schemas.openxmlformats.org/drawingml/2006/main" xmlns:r="http://schemas.openxmlformats.org/officeDocument/2006/relationships" xmlns:p="http://schemas.openxmlformats.org/presentationml/2006/main">
+  <p:cSld>
+    <p:spTree>
+      <p:nvGrpSpPr>
+        <p:cNvPr id="1" name=""/>
+        <p:cNvGrpSpPr/>
+        <p:nvPr/>
+      </p:nvGrpSpPr>
+      <p:grpSpPr>
+        <a:xfrm>
+          <a:off x="0" y="0"/>
+          <a:ext cx="0" cy="0"/>
+          <a:chOff x="0" y="0"/>
+          <a:chExt cx="0" cy="0"/>
+        </a:xfrm>
+      </p:grpSpPr>
+      <p:sp>
+        <p:nvSpPr>
+          <p:cNvPr id="2" name="Rectangle 1"/>
+          <p:cNvSpPr/>
+          <p:nvPr/>
+        </p:nvSpPr>
+        <p:spPr>
+          <a:xfrm>
+            <a:off x="125103" y="94268"/>
+            <a:ext cx="1750831" cy="1020569"/>
+          </a:xfrm>
+          <a:prstGeom prst="rect">
+            <a:avLst/>
+          </a:prstGeom>
+          <a:solidFill>
+            <a:schemeClr val="accent6">
+              <a:lumMod val="75000"/>
+            </a:schemeClr>
+          </a:solidFill>
+        </p:spPr>
+        <p:style>
+          <a:lnRef idx="2">
+            <a:schemeClr val="accent2">
+              <a:shade val="50000"/>
+            </a:schemeClr>
+          </a:lnRef>
+          <a:fillRef idx="1">
+            <a:schemeClr val="accent2"/>
+          </a:fillRef>
+          <a:effectRef idx="0">
+            <a:schemeClr val="accent2"/>
+          </a:effectRef>
+          <a:fontRef idx="minor">
+            <a:schemeClr val="lt1"/>
+          </a:fontRef>
+        </p:style>
+        <p:txBody>
+          <a:bodyPr rtlCol="0" anchor="t"/>
+          <a:lstStyle/>
+          <a:p>
+            <a:pPr algn="ctr"/>
+            <a:r>
+              <a:rPr lang="fr-FR" dirty="0" smtClean="0"/>
+              <a:t>JQM Engine 1</a:t>
+            </a:r>
+            <a:endParaRPr lang="fr-FR" dirty="0"/>
+          </a:p>
+        </p:txBody>
+      </p:sp>
+      <p:sp>
+        <p:nvSpPr>
+          <p:cNvPr id="4" name="Cylindre 3"/>
+          <p:cNvSpPr/>
+          <p:nvPr/>
+        </p:nvSpPr>
+        <p:spPr>
+          <a:xfrm>
+            <a:off x="2245982" y="1763151"/>
+            <a:ext cx="1803382" cy="2146430"/>
+          </a:xfrm>
+          <a:prstGeom prst="can">
+            <a:avLst/>
+          </a:prstGeom>
+          <a:solidFill>
+            <a:schemeClr val="accent6">
+              <a:lumMod val="75000"/>
+            </a:schemeClr>
+          </a:solidFill>
+        </p:spPr>
+        <p:style>
+          <a:lnRef idx="2">
+            <a:schemeClr val="accent1">
+              <a:shade val="50000"/>
+            </a:schemeClr>
+          </a:lnRef>
+          <a:fillRef idx="1">
+            <a:schemeClr val="accent1"/>
+          </a:fillRef>
+          <a:effectRef idx="0">
+            <a:schemeClr val="accent1"/>
+          </a:effectRef>
+          <a:fontRef idx="minor">
+            <a:schemeClr val="lt1"/>
+          </a:fontRef>
+        </p:style>
+        <p:txBody>
+          <a:bodyPr rtlCol="0" anchor="b"/>
+          <a:lstStyle/>
+          <a:p>
+            <a:pPr algn="ctr"/>
+            <a:r>
+              <a:rPr lang="fr-FR" dirty="0" smtClean="0"/>
+              <a:t>JQM </a:t>
+            </a:r>
+            <a:r>
+              <a:rPr lang="fr-FR" dirty="0" err="1" smtClean="0"/>
+              <a:t>database</a:t>
+            </a:r>
+            <a:endParaRPr lang="fr-FR" dirty="0"/>
+          </a:p>
+        </p:txBody>
+      </p:sp>
+      <p:sp>
+        <p:nvSpPr>
+          <p:cNvPr id="6" name="Organigramme : Multidocument 5"/>
+          <p:cNvSpPr/>
+          <p:nvPr/>
+        </p:nvSpPr>
+        <p:spPr>
+          <a:xfrm>
+            <a:off x="2403834" y="2224726"/>
+            <a:ext cx="339365" cy="743616"/>
+          </a:xfrm>
+          <a:prstGeom prst="flowChartMultidocument">
+            <a:avLst/>
+          </a:prstGeom>
+        </p:spPr>
+        <p:style>
+          <a:lnRef idx="2">
+            <a:schemeClr val="accent1">
+              <a:shade val="50000"/>
+            </a:schemeClr>
+          </a:lnRef>
+          <a:fillRef idx="1">
+            <a:schemeClr val="accent1"/>
+          </a:fillRef>
+          <a:effectRef idx="0">
+            <a:schemeClr val="accent1"/>
+          </a:effectRef>
+          <a:fontRef idx="minor">
+            <a:schemeClr val="lt1"/>
+          </a:fontRef>
+        </p:style>
+        <p:txBody>
+          <a:bodyPr rtlCol="0" anchor="ctr"/>
+          <a:lstStyle/>
+          <a:p>
+            <a:pPr algn="ctr"/>
+            <a:endParaRPr lang="fr-FR" dirty="0"/>
+          </a:p>
+        </p:txBody>
+      </p:sp>
+      <p:sp>
+        <p:nvSpPr>
+          <p:cNvPr id="7" name="ZoneTexte 6"/>
+          <p:cNvSpPr txBox="1"/>
+          <p:nvPr/>
+        </p:nvSpPr>
+        <p:spPr>
+          <a:xfrm>
+            <a:off x="2403834" y="2930997"/>
+            <a:ext cx="593889" cy="369332"/>
+          </a:xfrm>
+          <a:prstGeom prst="rect">
+            <a:avLst/>
+          </a:prstGeom>
+          <a:noFill/>
+        </p:spPr>
+        <p:txBody>
+          <a:bodyPr wrap="square" rtlCol="0">
+            <a:spAutoFit/>
+          </a:bodyPr>
+          <a:lstStyle/>
+          <a:p>
+            <a:r>
+              <a:rPr lang="fr-FR" dirty="0" smtClean="0"/>
+              <a:t>Q1</a:t>
+            </a:r>
+            <a:endParaRPr lang="fr-FR" dirty="0"/>
+          </a:p>
+        </p:txBody>
+      </p:sp>
+      <p:sp>
+        <p:nvSpPr>
+          <p:cNvPr id="8" name="Organigramme : Multidocument 7"/>
+          <p:cNvSpPr/>
+          <p:nvPr/>
+        </p:nvSpPr>
+        <p:spPr>
+          <a:xfrm>
+            <a:off x="2977990" y="2224726"/>
+            <a:ext cx="339365" cy="743616"/>
+          </a:xfrm>
+          <a:prstGeom prst="flowChartMultidocument">
+            <a:avLst/>
+          </a:prstGeom>
+        </p:spPr>
+        <p:style>
+          <a:lnRef idx="2">
+            <a:schemeClr val="accent1">
+              <a:shade val="50000"/>
+            </a:schemeClr>
+          </a:lnRef>
+          <a:fillRef idx="1">
+            <a:schemeClr val="accent1"/>
+          </a:fillRef>
+          <a:effectRef idx="0">
+            <a:schemeClr val="accent1"/>
+          </a:effectRef>
+          <a:fontRef idx="minor">
+            <a:schemeClr val="lt1"/>
+          </a:fontRef>
+        </p:style>
+        <p:txBody>
+          <a:bodyPr rtlCol="0" anchor="ctr"/>
+          <a:lstStyle/>
+          <a:p>
+            <a:pPr algn="ctr"/>
+            <a:endParaRPr lang="fr-FR" dirty="0"/>
+          </a:p>
+        </p:txBody>
+      </p:sp>
+      <p:sp>
+        <p:nvSpPr>
+          <p:cNvPr id="9" name="Organigramme : Multidocument 8"/>
+          <p:cNvSpPr/>
+          <p:nvPr/>
+        </p:nvSpPr>
+        <p:spPr>
+          <a:xfrm>
+            <a:off x="3552146" y="2224726"/>
+            <a:ext cx="339365" cy="743616"/>
+          </a:xfrm>
+          <a:prstGeom prst="flowChartMultidocument">
+            <a:avLst/>
+          </a:prstGeom>
+        </p:spPr>
+        <p:style>
+          <a:lnRef idx="2">
+            <a:schemeClr val="accent1">
+              <a:shade val="50000"/>
+            </a:schemeClr>
+          </a:lnRef>
+          <a:fillRef idx="1">
+            <a:schemeClr val="accent1"/>
+          </a:fillRef>
+          <a:effectRef idx="0">
+            <a:schemeClr val="accent1"/>
+          </a:effectRef>
+          <a:fontRef idx="minor">
+            <a:schemeClr val="lt1"/>
+          </a:fontRef>
+        </p:style>
+        <p:txBody>
+          <a:bodyPr rtlCol="0" anchor="ctr"/>
+          <a:lstStyle/>
+          <a:p>
+            <a:pPr algn="ctr"/>
+            <a:endParaRPr lang="fr-FR" dirty="0"/>
+          </a:p>
+        </p:txBody>
+      </p:sp>
+      <p:sp>
+        <p:nvSpPr>
+          <p:cNvPr id="10" name="ZoneTexte 9"/>
+          <p:cNvSpPr txBox="1"/>
+          <p:nvPr/>
+        </p:nvSpPr>
+        <p:spPr>
+          <a:xfrm>
+            <a:off x="2901051" y="2930997"/>
+            <a:ext cx="593889" cy="369332"/>
+          </a:xfrm>
+          <a:prstGeom prst="rect">
+            <a:avLst/>
+          </a:prstGeom>
+          <a:noFill/>
+        </p:spPr>
+        <p:txBody>
+          <a:bodyPr wrap="square" rtlCol="0">
+            <a:spAutoFit/>
+          </a:bodyPr>
+          <a:lstStyle/>
+          <a:p>
+            <a:r>
+              <a:rPr lang="fr-FR" dirty="0" smtClean="0"/>
+              <a:t>Q2</a:t>
+            </a:r>
+            <a:endParaRPr lang="fr-FR" dirty="0"/>
+          </a:p>
+        </p:txBody>
+      </p:sp>
+      <p:sp>
+        <p:nvSpPr>
+          <p:cNvPr id="11" name="ZoneTexte 10"/>
+          <p:cNvSpPr txBox="1"/>
+          <p:nvPr/>
+        </p:nvSpPr>
+        <p:spPr>
+          <a:xfrm>
+            <a:off x="3455475" y="2941010"/>
+            <a:ext cx="593889" cy="369332"/>
+          </a:xfrm>
+          <a:prstGeom prst="rect">
+            <a:avLst/>
+          </a:prstGeom>
+          <a:noFill/>
+        </p:spPr>
+        <p:txBody>
+          <a:bodyPr wrap="square" rtlCol="0">
+            <a:spAutoFit/>
+          </a:bodyPr>
+          <a:lstStyle/>
+          <a:p>
+            <a:r>
+              <a:rPr lang="fr-FR" dirty="0" smtClean="0"/>
+              <a:t>Q3</a:t>
+            </a:r>
+            <a:endParaRPr lang="fr-FR" dirty="0"/>
+          </a:p>
+        </p:txBody>
+      </p:sp>
+      <p:sp>
+        <p:nvSpPr>
+          <p:cNvPr id="12" name="Rectangle 11"/>
+          <p:cNvSpPr/>
+          <p:nvPr/>
+        </p:nvSpPr>
+        <p:spPr>
+          <a:xfrm>
+            <a:off x="2322579" y="94267"/>
+            <a:ext cx="1750831" cy="1020569"/>
+          </a:xfrm>
+          <a:prstGeom prst="rect">
+            <a:avLst/>
+          </a:prstGeom>
+          <a:solidFill>
+            <a:schemeClr val="accent6">
+              <a:lumMod val="75000"/>
+            </a:schemeClr>
+          </a:solidFill>
+        </p:spPr>
+        <p:style>
+          <a:lnRef idx="2">
+            <a:schemeClr val="accent2">
+              <a:shade val="50000"/>
+            </a:schemeClr>
+          </a:lnRef>
+          <a:fillRef idx="1">
+            <a:schemeClr val="accent2"/>
+          </a:fillRef>
+          <a:effectRef idx="0">
+            <a:schemeClr val="accent2"/>
+          </a:effectRef>
+          <a:fontRef idx="minor">
+            <a:schemeClr val="lt1"/>
+          </a:fontRef>
+        </p:style>
+        <p:txBody>
+          <a:bodyPr rtlCol="0" anchor="t"/>
+          <a:lstStyle/>
+          <a:p>
+            <a:pPr algn="ctr"/>
+            <a:r>
+              <a:rPr lang="fr-FR" dirty="0" smtClean="0"/>
+              <a:t>JQM Engine </a:t>
+            </a:r>
+            <a:r>
+              <a:rPr lang="fr-FR" dirty="0"/>
+              <a:t>2</a:t>
+            </a:r>
+          </a:p>
+        </p:txBody>
+      </p:sp>
+      <p:sp>
+        <p:nvSpPr>
+          <p:cNvPr id="13" name="Rectangle 12"/>
+          <p:cNvSpPr/>
+          <p:nvPr/>
+        </p:nvSpPr>
+        <p:spPr>
+          <a:xfrm>
+            <a:off x="4520055" y="94266"/>
+            <a:ext cx="1750831" cy="1020569"/>
+          </a:xfrm>
+          <a:prstGeom prst="rect">
+            <a:avLst/>
+          </a:prstGeom>
+          <a:solidFill>
+            <a:schemeClr val="accent6">
+              <a:lumMod val="75000"/>
+            </a:schemeClr>
+          </a:solidFill>
+        </p:spPr>
+        <p:style>
+          <a:lnRef idx="2">
+            <a:schemeClr val="accent2">
+              <a:shade val="50000"/>
+            </a:schemeClr>
+          </a:lnRef>
+          <a:fillRef idx="1">
+            <a:schemeClr val="accent2"/>
+          </a:fillRef>
+          <a:effectRef idx="0">
+            <a:schemeClr val="accent2"/>
+          </a:effectRef>
+          <a:fontRef idx="minor">
+            <a:schemeClr val="lt1"/>
+          </a:fontRef>
+        </p:style>
+        <p:txBody>
+          <a:bodyPr rtlCol="0" anchor="t"/>
+          <a:lstStyle/>
+          <a:p>
+            <a:pPr algn="ctr"/>
+            <a:r>
+              <a:rPr lang="fr-FR" dirty="0" smtClean="0"/>
+              <a:t>JQM Engine </a:t>
+            </a:r>
+            <a:r>
+              <a:rPr lang="fr-FR" dirty="0"/>
+              <a:t>3</a:t>
+            </a:r>
+          </a:p>
+        </p:txBody>
+      </p:sp>
+      <p:cxnSp>
+        <p:nvCxnSpPr>
+          <p:cNvPr id="15" name="Connecteur droit avec flèche 14"/>
+          <p:cNvCxnSpPr>
+            <a:stCxn id="2" idx="2"/>
+          </p:cNvCxnSpPr>
+          <p:nvPr/>
+        </p:nvCxnSpPr>
+        <p:spPr>
+          <a:xfrm>
+            <a:off x="1000519" y="1114837"/>
+            <a:ext cx="1403315" cy="1481697"/>
+          </a:xfrm>
+          <a:prstGeom prst="straightConnector1">
+            <a:avLst/>
+          </a:prstGeom>
+          <a:ln w="38100">
+            <a:tailEnd type="triangle"/>
+          </a:ln>
+        </p:spPr>
+        <p:style>
+          <a:lnRef idx="3">
+            <a:schemeClr val="dk1"/>
+          </a:lnRef>
+          <a:fillRef idx="0">
+            <a:schemeClr val="dk1"/>
+          </a:fillRef>
+          <a:effectRef idx="2">
+            <a:schemeClr val="dk1"/>
+          </a:effectRef>
+          <a:fontRef idx="minor">
+            <a:schemeClr val="tx1"/>
+          </a:fontRef>
+        </p:style>
+      </p:cxnSp>
+      <p:sp>
+        <p:nvSpPr>
+          <p:cNvPr id="16" name="ZoneTexte 15"/>
+          <p:cNvSpPr txBox="1"/>
+          <p:nvPr/>
+        </p:nvSpPr>
+        <p:spPr>
+          <a:xfrm>
+            <a:off x="703917" y="1540528"/>
+            <a:ext cx="944785" cy="646331"/>
+          </a:xfrm>
+          <a:prstGeom prst="rect">
+            <a:avLst/>
+          </a:prstGeom>
+          <a:noFill/>
+        </p:spPr>
+        <p:txBody>
+          <a:bodyPr wrap="square" rtlCol="0">
+            <a:spAutoFit/>
+          </a:bodyPr>
+          <a:lstStyle/>
+          <a:p>
+            <a:r>
+              <a:rPr lang="fr-FR" sz="1200" dirty="0" smtClean="0"/>
+              <a:t>Polling </a:t>
+            </a:r>
+            <a:r>
+              <a:rPr lang="fr-FR" sz="1200" dirty="0" err="1" smtClean="0"/>
+              <a:t>every</a:t>
+            </a:r>
+            <a:r>
+              <a:rPr lang="fr-FR" sz="1200" dirty="0" smtClean="0"/>
+              <a:t> </a:t>
+            </a:r>
+            <a:r>
+              <a:rPr lang="fr-FR" sz="1200" dirty="0" smtClean="0"/>
+              <a:t>60s</a:t>
+            </a:r>
+            <a:br>
+              <a:rPr lang="fr-FR" sz="1200" dirty="0" smtClean="0"/>
+            </a:br>
+            <a:r>
+              <a:rPr lang="fr-FR" sz="1200" i="1" dirty="0" smtClean="0"/>
+              <a:t>2 slots</a:t>
+            </a:r>
+            <a:endParaRPr lang="fr-FR" sz="1200" i="1" dirty="0"/>
+          </a:p>
+        </p:txBody>
+      </p:sp>
+      <p:cxnSp>
+        <p:nvCxnSpPr>
+          <p:cNvPr id="17" name="Connecteur droit avec flèche 16"/>
+          <p:cNvCxnSpPr>
+            <a:stCxn id="2" idx="2"/>
+            <a:endCxn id="8" idx="1"/>
+          </p:cNvCxnSpPr>
+          <p:nvPr/>
+        </p:nvCxnSpPr>
+        <p:spPr>
+          <a:xfrm>
+            <a:off x="1000519" y="1114837"/>
+            <a:ext cx="1977471" cy="1481697"/>
+          </a:xfrm>
+          <a:prstGeom prst="straightConnector1">
+            <a:avLst/>
+          </a:prstGeom>
+          <a:ln w="38100">
+            <a:tailEnd type="triangle"/>
+          </a:ln>
+        </p:spPr>
+        <p:style>
+          <a:lnRef idx="3">
+            <a:schemeClr val="dk1"/>
+          </a:lnRef>
+          <a:fillRef idx="0">
+            <a:schemeClr val="dk1"/>
+          </a:fillRef>
+          <a:effectRef idx="2">
+            <a:schemeClr val="dk1"/>
+          </a:effectRef>
+          <a:fontRef idx="minor">
+            <a:schemeClr val="tx1"/>
+          </a:fontRef>
+        </p:style>
+      </p:cxnSp>
+      <p:sp>
+        <p:nvSpPr>
+          <p:cNvPr id="20" name="ZoneTexte 19"/>
+          <p:cNvSpPr txBox="1"/>
+          <p:nvPr/>
+        </p:nvSpPr>
+        <p:spPr>
+          <a:xfrm>
+            <a:off x="1561827" y="1044274"/>
+            <a:ext cx="909259" cy="646331"/>
+          </a:xfrm>
+          <a:prstGeom prst="rect">
+            <a:avLst/>
+          </a:prstGeom>
+          <a:noFill/>
+        </p:spPr>
+        <p:txBody>
+          <a:bodyPr wrap="square" rtlCol="0">
+            <a:spAutoFit/>
+          </a:bodyPr>
+          <a:lstStyle/>
+          <a:p>
+            <a:r>
+              <a:rPr lang="fr-FR" sz="1200" dirty="0" smtClean="0"/>
+              <a:t>Polling </a:t>
+            </a:r>
+            <a:r>
+              <a:rPr lang="fr-FR" sz="1200" dirty="0" err="1" smtClean="0"/>
+              <a:t>every</a:t>
+            </a:r>
+            <a:r>
+              <a:rPr lang="fr-FR" sz="1200" dirty="0" smtClean="0"/>
+              <a:t> </a:t>
+            </a:r>
+            <a:r>
+              <a:rPr lang="fr-FR" sz="1200" dirty="0" smtClean="0"/>
+              <a:t>10s</a:t>
+            </a:r>
+            <a:br>
+              <a:rPr lang="fr-FR" sz="1200" dirty="0" smtClean="0"/>
+            </a:br>
+            <a:r>
+              <a:rPr lang="fr-FR" sz="1200" i="1" dirty="0" smtClean="0"/>
+              <a:t>1 slot</a:t>
+            </a:r>
+            <a:endParaRPr lang="fr-FR" sz="1200" i="1" dirty="0"/>
+          </a:p>
+        </p:txBody>
+      </p:sp>
+      <p:cxnSp>
+        <p:nvCxnSpPr>
+          <p:cNvPr id="21" name="Connecteur droit avec flèche 20"/>
+          <p:cNvCxnSpPr>
+            <a:stCxn id="12" idx="2"/>
+            <a:endCxn id="8" idx="0"/>
+          </p:cNvCxnSpPr>
+          <p:nvPr/>
+        </p:nvCxnSpPr>
+        <p:spPr>
+          <a:xfrm flipH="1">
+            <a:off x="3171020" y="1114836"/>
+            <a:ext cx="26975" cy="1109890"/>
+          </a:xfrm>
+          <a:prstGeom prst="straightConnector1">
+            <a:avLst/>
+          </a:prstGeom>
+          <a:ln w="38100">
+            <a:tailEnd type="triangle"/>
+          </a:ln>
+        </p:spPr>
+        <p:style>
+          <a:lnRef idx="3">
+            <a:schemeClr val="dk1"/>
+          </a:lnRef>
+          <a:fillRef idx="0">
+            <a:schemeClr val="dk1"/>
+          </a:fillRef>
+          <a:effectRef idx="2">
+            <a:schemeClr val="dk1"/>
+          </a:effectRef>
+          <a:fontRef idx="minor">
+            <a:schemeClr val="tx1"/>
+          </a:fontRef>
+        </p:style>
+      </p:cxnSp>
+      <p:sp>
+        <p:nvSpPr>
+          <p:cNvPr id="24" name="ZoneTexte 23"/>
+          <p:cNvSpPr txBox="1"/>
+          <p:nvPr/>
+        </p:nvSpPr>
+        <p:spPr>
+          <a:xfrm>
+            <a:off x="2468162" y="1188629"/>
+            <a:ext cx="909259" cy="646331"/>
+          </a:xfrm>
+          <a:prstGeom prst="rect">
+            <a:avLst/>
+          </a:prstGeom>
+          <a:noFill/>
+        </p:spPr>
+        <p:txBody>
+          <a:bodyPr wrap="square" rtlCol="0">
+            <a:spAutoFit/>
+          </a:bodyPr>
+          <a:lstStyle/>
+          <a:p>
+            <a:r>
+              <a:rPr lang="fr-FR" sz="1200" dirty="0" smtClean="0"/>
+              <a:t>Polling </a:t>
+            </a:r>
+            <a:r>
+              <a:rPr lang="fr-FR" sz="1200" dirty="0" err="1" smtClean="0"/>
+              <a:t>every</a:t>
+            </a:r>
+            <a:r>
+              <a:rPr lang="fr-FR" sz="1200" dirty="0" smtClean="0"/>
+              <a:t> </a:t>
+            </a:r>
+            <a:r>
+              <a:rPr lang="fr-FR" sz="1200" dirty="0" smtClean="0"/>
+              <a:t>5s</a:t>
+            </a:r>
+            <a:br>
+              <a:rPr lang="fr-FR" sz="1200" dirty="0" smtClean="0"/>
+            </a:br>
+            <a:r>
+              <a:rPr lang="fr-FR" sz="1200" i="1" dirty="0" smtClean="0"/>
+              <a:t>100 slots</a:t>
+            </a:r>
+            <a:endParaRPr lang="fr-FR" sz="1200" i="1" dirty="0"/>
+          </a:p>
+        </p:txBody>
+      </p:sp>
+      <p:sp>
+        <p:nvSpPr>
+          <p:cNvPr id="25" name="ZoneTexte 24"/>
+          <p:cNvSpPr txBox="1"/>
+          <p:nvPr/>
+        </p:nvSpPr>
+        <p:spPr>
+          <a:xfrm>
+            <a:off x="4792033" y="1532318"/>
+            <a:ext cx="909259" cy="646331"/>
+          </a:xfrm>
+          <a:prstGeom prst="rect">
+            <a:avLst/>
+          </a:prstGeom>
+          <a:noFill/>
+        </p:spPr>
+        <p:txBody>
+          <a:bodyPr wrap="square" rtlCol="0">
+            <a:spAutoFit/>
+          </a:bodyPr>
+          <a:lstStyle/>
+          <a:p>
+            <a:r>
+              <a:rPr lang="fr-FR" sz="1200" dirty="0" smtClean="0"/>
+              <a:t>Polling </a:t>
+            </a:r>
+            <a:r>
+              <a:rPr lang="fr-FR" sz="1200" dirty="0" err="1" smtClean="0"/>
+              <a:t>every</a:t>
+            </a:r>
+            <a:r>
+              <a:rPr lang="fr-FR" sz="1200" dirty="0" smtClean="0"/>
+              <a:t> </a:t>
+            </a:r>
+            <a:r>
+              <a:rPr lang="fr-FR" sz="1200" dirty="0" smtClean="0"/>
+              <a:t>120s</a:t>
+            </a:r>
+            <a:br>
+              <a:rPr lang="fr-FR" sz="1200" dirty="0" smtClean="0"/>
+            </a:br>
+            <a:r>
+              <a:rPr lang="fr-FR" sz="1200" i="1" dirty="0" smtClean="0"/>
+              <a:t>10 slots</a:t>
+            </a:r>
+            <a:endParaRPr lang="fr-FR" sz="1200" i="1" dirty="0"/>
+          </a:p>
+        </p:txBody>
+      </p:sp>
+      <p:cxnSp>
+        <p:nvCxnSpPr>
+          <p:cNvPr id="26" name="Connecteur droit avec flèche 25"/>
+          <p:cNvCxnSpPr>
+            <a:stCxn id="13" idx="2"/>
+            <a:endCxn id="9" idx="0"/>
+          </p:cNvCxnSpPr>
+          <p:nvPr/>
+        </p:nvCxnSpPr>
+        <p:spPr>
+          <a:xfrm flipH="1">
+            <a:off x="3745176" y="1114835"/>
+            <a:ext cx="1650295" cy="1109891"/>
+          </a:xfrm>
+          <a:prstGeom prst="straightConnector1">
+            <a:avLst/>
+          </a:prstGeom>
+          <a:ln w="38100">
+            <a:tailEnd type="triangle"/>
+          </a:ln>
+        </p:spPr>
+        <p:style>
+          <a:lnRef idx="3">
+            <a:schemeClr val="dk1"/>
+          </a:lnRef>
+          <a:fillRef idx="0">
+            <a:schemeClr val="dk1"/>
+          </a:fillRef>
+          <a:effectRef idx="2">
+            <a:schemeClr val="dk1"/>
+          </a:effectRef>
+          <a:fontRef idx="minor">
+            <a:schemeClr val="tx1"/>
+          </a:fontRef>
+        </p:style>
+      </p:cxnSp>
+    </p:spTree>
+    <p:extLst>
+      <p:ext uri="{BB962C8B-B14F-4D97-AF65-F5344CB8AC3E}">
+        <p14:creationId xmlns:p14="http://schemas.microsoft.com/office/powerpoint/2010/main" val="1316404552"/>
       </p:ext>
     </p:extLst>
   </p:cSld>

--- a/jqm-all/jqm-doc/src/site/sphinx/files/schemas.pptx
+++ b/jqm-all/jqm-doc/src/site/sphinx/files/schemas.pptx
@@ -155,10 +155,9 @@
           </a:lstStyle>
           <a:p>
             <a:r>
-              <a:rPr lang="fr-FR" smtClean="0"/>
+              <a:rPr lang="fr-FR"/>
               <a:t>Modifiez le style du titre</a:t>
             </a:r>
-            <a:endParaRPr lang="fr-FR"/>
           </a:p>
         </p:txBody>
       </p:sp>
@@ -220,10 +219,9 @@
           </a:lstStyle>
           <a:p>
             <a:r>
-              <a:rPr lang="fr-FR" smtClean="0"/>
+              <a:rPr lang="fr-FR"/>
               <a:t>Modifiez le style des sous-titres du masque</a:t>
             </a:r>
-            <a:endParaRPr lang="fr-FR"/>
           </a:p>
         </p:txBody>
       </p:sp>
@@ -244,7 +242,7 @@
           <a:p>
             <a:fld id="{2EBAB665-FDAC-4018-B6BF-0BAA815CD983}" type="datetimeFigureOut">
               <a:rPr lang="fr-FR" smtClean="0"/>
-              <a:t>26/10/2014</a:t>
+              <a:t>24/08/2016</a:t>
             </a:fld>
             <a:endParaRPr lang="fr-FR"/>
           </a:p>
@@ -338,10 +336,9 @@
           <a:lstStyle/>
           <a:p>
             <a:r>
-              <a:rPr lang="fr-FR" smtClean="0"/>
+              <a:rPr lang="fr-FR"/>
               <a:t>Modifiez le style du titre</a:t>
             </a:r>
-            <a:endParaRPr lang="fr-FR"/>
           </a:p>
         </p:txBody>
       </p:sp>
@@ -362,38 +359,37 @@
           <a:p>
             <a:pPr lvl="0"/>
             <a:r>
-              <a:rPr lang="fr-FR" smtClean="0"/>
+              <a:rPr lang="fr-FR"/>
               <a:t>Modifiez les styles du texte du masque</a:t>
             </a:r>
           </a:p>
           <a:p>
             <a:pPr lvl="1"/>
             <a:r>
-              <a:rPr lang="fr-FR" smtClean="0"/>
+              <a:rPr lang="fr-FR"/>
               <a:t>Deuxième niveau</a:t>
             </a:r>
           </a:p>
           <a:p>
             <a:pPr lvl="2"/>
             <a:r>
-              <a:rPr lang="fr-FR" smtClean="0"/>
+              <a:rPr lang="fr-FR"/>
               <a:t>Troisième niveau</a:t>
             </a:r>
           </a:p>
           <a:p>
             <a:pPr lvl="3"/>
             <a:r>
-              <a:rPr lang="fr-FR" smtClean="0"/>
+              <a:rPr lang="fr-FR"/>
               <a:t>Quatrième niveau</a:t>
             </a:r>
           </a:p>
           <a:p>
             <a:pPr lvl="4"/>
             <a:r>
-              <a:rPr lang="fr-FR" smtClean="0"/>
+              <a:rPr lang="fr-FR"/>
               <a:t>Cinquième niveau</a:t>
             </a:r>
-            <a:endParaRPr lang="fr-FR"/>
           </a:p>
         </p:txBody>
       </p:sp>
@@ -414,7 +410,7 @@
           <a:p>
             <a:fld id="{2EBAB665-FDAC-4018-B6BF-0BAA815CD983}" type="datetimeFigureOut">
               <a:rPr lang="fr-FR" smtClean="0"/>
-              <a:t>26/10/2014</a:t>
+              <a:t>24/08/2016</a:t>
             </a:fld>
             <a:endParaRPr lang="fr-FR"/>
           </a:p>
@@ -513,10 +509,9 @@
           <a:lstStyle/>
           <a:p>
             <a:r>
-              <a:rPr lang="fr-FR" smtClean="0"/>
+              <a:rPr lang="fr-FR"/>
               <a:t>Modifiez le style du titre</a:t>
             </a:r>
-            <a:endParaRPr lang="fr-FR"/>
           </a:p>
         </p:txBody>
       </p:sp>
@@ -542,38 +537,37 @@
           <a:p>
             <a:pPr lvl="0"/>
             <a:r>
-              <a:rPr lang="fr-FR" smtClean="0"/>
+              <a:rPr lang="fr-FR"/>
               <a:t>Modifiez les styles du texte du masque</a:t>
             </a:r>
           </a:p>
           <a:p>
             <a:pPr lvl="1"/>
             <a:r>
-              <a:rPr lang="fr-FR" smtClean="0"/>
+              <a:rPr lang="fr-FR"/>
               <a:t>Deuxième niveau</a:t>
             </a:r>
           </a:p>
           <a:p>
             <a:pPr lvl="2"/>
             <a:r>
-              <a:rPr lang="fr-FR" smtClean="0"/>
+              <a:rPr lang="fr-FR"/>
               <a:t>Troisième niveau</a:t>
             </a:r>
           </a:p>
           <a:p>
             <a:pPr lvl="3"/>
             <a:r>
-              <a:rPr lang="fr-FR" smtClean="0"/>
+              <a:rPr lang="fr-FR"/>
               <a:t>Quatrième niveau</a:t>
             </a:r>
           </a:p>
           <a:p>
             <a:pPr lvl="4"/>
             <a:r>
-              <a:rPr lang="fr-FR" smtClean="0"/>
+              <a:rPr lang="fr-FR"/>
               <a:t>Cinquième niveau</a:t>
             </a:r>
-            <a:endParaRPr lang="fr-FR"/>
           </a:p>
         </p:txBody>
       </p:sp>
@@ -594,7 +588,7 @@
           <a:p>
             <a:fld id="{2EBAB665-FDAC-4018-B6BF-0BAA815CD983}" type="datetimeFigureOut">
               <a:rPr lang="fr-FR" smtClean="0"/>
-              <a:t>26/10/2014</a:t>
+              <a:t>24/08/2016</a:t>
             </a:fld>
             <a:endParaRPr lang="fr-FR"/>
           </a:p>
@@ -688,10 +682,9 @@
           <a:lstStyle/>
           <a:p>
             <a:r>
-              <a:rPr lang="fr-FR" smtClean="0"/>
+              <a:rPr lang="fr-FR"/>
               <a:t>Modifiez le style du titre</a:t>
             </a:r>
-            <a:endParaRPr lang="fr-FR"/>
           </a:p>
         </p:txBody>
       </p:sp>
@@ -712,38 +705,37 @@
           <a:p>
             <a:pPr lvl="0"/>
             <a:r>
-              <a:rPr lang="fr-FR" smtClean="0"/>
+              <a:rPr lang="fr-FR"/>
               <a:t>Modifiez les styles du texte du masque</a:t>
             </a:r>
           </a:p>
           <a:p>
             <a:pPr lvl="1"/>
             <a:r>
-              <a:rPr lang="fr-FR" smtClean="0"/>
+              <a:rPr lang="fr-FR"/>
               <a:t>Deuxième niveau</a:t>
             </a:r>
           </a:p>
           <a:p>
             <a:pPr lvl="2"/>
             <a:r>
-              <a:rPr lang="fr-FR" smtClean="0"/>
+              <a:rPr lang="fr-FR"/>
               <a:t>Troisième niveau</a:t>
             </a:r>
           </a:p>
           <a:p>
             <a:pPr lvl="3"/>
             <a:r>
-              <a:rPr lang="fr-FR" smtClean="0"/>
+              <a:rPr lang="fr-FR"/>
               <a:t>Quatrième niveau</a:t>
             </a:r>
           </a:p>
           <a:p>
             <a:pPr lvl="4"/>
             <a:r>
-              <a:rPr lang="fr-FR" smtClean="0"/>
+              <a:rPr lang="fr-FR"/>
               <a:t>Cinquième niveau</a:t>
             </a:r>
-            <a:endParaRPr lang="fr-FR"/>
           </a:p>
         </p:txBody>
       </p:sp>
@@ -764,7 +756,7 @@
           <a:p>
             <a:fld id="{2EBAB665-FDAC-4018-B6BF-0BAA815CD983}" type="datetimeFigureOut">
               <a:rPr lang="fr-FR" smtClean="0"/>
-              <a:t>26/10/2014</a:t>
+              <a:t>24/08/2016</a:t>
             </a:fld>
             <a:endParaRPr lang="fr-FR"/>
           </a:p>
@@ -867,10 +859,9 @@
           </a:lstStyle>
           <a:p>
             <a:r>
-              <a:rPr lang="fr-FR" smtClean="0"/>
+              <a:rPr lang="fr-FR"/>
               <a:t>Modifiez le style du titre</a:t>
             </a:r>
-            <a:endParaRPr lang="fr-FR"/>
           </a:p>
         </p:txBody>
       </p:sp>
@@ -987,7 +978,7 @@
           <a:p>
             <a:pPr lvl="0"/>
             <a:r>
-              <a:rPr lang="fr-FR" smtClean="0"/>
+              <a:rPr lang="fr-FR"/>
               <a:t>Modifiez les styles du texte du masque</a:t>
             </a:r>
           </a:p>
@@ -1010,7 +1001,7 @@
           <a:p>
             <a:fld id="{2EBAB665-FDAC-4018-B6BF-0BAA815CD983}" type="datetimeFigureOut">
               <a:rPr lang="fr-FR" smtClean="0"/>
-              <a:t>26/10/2014</a:t>
+              <a:t>24/08/2016</a:t>
             </a:fld>
             <a:endParaRPr lang="fr-FR"/>
           </a:p>
@@ -1104,10 +1095,9 @@
           <a:lstStyle/>
           <a:p>
             <a:r>
-              <a:rPr lang="fr-FR" smtClean="0"/>
+              <a:rPr lang="fr-FR"/>
               <a:t>Modifiez le style du titre</a:t>
             </a:r>
-            <a:endParaRPr lang="fr-FR"/>
           </a:p>
         </p:txBody>
       </p:sp>
@@ -1133,38 +1123,37 @@
           <a:p>
             <a:pPr lvl="0"/>
             <a:r>
-              <a:rPr lang="fr-FR" smtClean="0"/>
+              <a:rPr lang="fr-FR"/>
               <a:t>Modifiez les styles du texte du masque</a:t>
             </a:r>
           </a:p>
           <a:p>
             <a:pPr lvl="1"/>
             <a:r>
-              <a:rPr lang="fr-FR" smtClean="0"/>
+              <a:rPr lang="fr-FR"/>
               <a:t>Deuxième niveau</a:t>
             </a:r>
           </a:p>
           <a:p>
             <a:pPr lvl="2"/>
             <a:r>
-              <a:rPr lang="fr-FR" smtClean="0"/>
+              <a:rPr lang="fr-FR"/>
               <a:t>Troisième niveau</a:t>
             </a:r>
           </a:p>
           <a:p>
             <a:pPr lvl="3"/>
             <a:r>
-              <a:rPr lang="fr-FR" smtClean="0"/>
+              <a:rPr lang="fr-FR"/>
               <a:t>Quatrième niveau</a:t>
             </a:r>
           </a:p>
           <a:p>
             <a:pPr lvl="4"/>
             <a:r>
-              <a:rPr lang="fr-FR" smtClean="0"/>
+              <a:rPr lang="fr-FR"/>
               <a:t>Cinquième niveau</a:t>
             </a:r>
-            <a:endParaRPr lang="fr-FR"/>
           </a:p>
         </p:txBody>
       </p:sp>
@@ -1190,38 +1179,37 @@
           <a:p>
             <a:pPr lvl="0"/>
             <a:r>
-              <a:rPr lang="fr-FR" smtClean="0"/>
+              <a:rPr lang="fr-FR"/>
               <a:t>Modifiez les styles du texte du masque</a:t>
             </a:r>
           </a:p>
           <a:p>
             <a:pPr lvl="1"/>
             <a:r>
-              <a:rPr lang="fr-FR" smtClean="0"/>
+              <a:rPr lang="fr-FR"/>
               <a:t>Deuxième niveau</a:t>
             </a:r>
           </a:p>
           <a:p>
             <a:pPr lvl="2"/>
             <a:r>
-              <a:rPr lang="fr-FR" smtClean="0"/>
+              <a:rPr lang="fr-FR"/>
               <a:t>Troisième niveau</a:t>
             </a:r>
           </a:p>
           <a:p>
             <a:pPr lvl="3"/>
             <a:r>
-              <a:rPr lang="fr-FR" smtClean="0"/>
+              <a:rPr lang="fr-FR"/>
               <a:t>Quatrième niveau</a:t>
             </a:r>
           </a:p>
           <a:p>
             <a:pPr lvl="4"/>
             <a:r>
-              <a:rPr lang="fr-FR" smtClean="0"/>
+              <a:rPr lang="fr-FR"/>
               <a:t>Cinquième niveau</a:t>
             </a:r>
-            <a:endParaRPr lang="fr-FR"/>
           </a:p>
         </p:txBody>
       </p:sp>
@@ -1242,7 +1230,7 @@
           <a:p>
             <a:fld id="{2EBAB665-FDAC-4018-B6BF-0BAA815CD983}" type="datetimeFigureOut">
               <a:rPr lang="fr-FR" smtClean="0"/>
-              <a:t>26/10/2014</a:t>
+              <a:t>24/08/2016</a:t>
             </a:fld>
             <a:endParaRPr lang="fr-FR"/>
           </a:p>
@@ -1341,10 +1329,9 @@
           <a:lstStyle/>
           <a:p>
             <a:r>
-              <a:rPr lang="fr-FR" smtClean="0"/>
+              <a:rPr lang="fr-FR"/>
               <a:t>Modifiez le style du titre</a:t>
             </a:r>
-            <a:endParaRPr lang="fr-FR"/>
           </a:p>
         </p:txBody>
       </p:sp>
@@ -1407,7 +1394,7 @@
           <a:p>
             <a:pPr lvl="0"/>
             <a:r>
-              <a:rPr lang="fr-FR" smtClean="0"/>
+              <a:rPr lang="fr-FR"/>
               <a:t>Modifiez les styles du texte du masque</a:t>
             </a:r>
           </a:p>
@@ -1435,38 +1422,37 @@
           <a:p>
             <a:pPr lvl="0"/>
             <a:r>
-              <a:rPr lang="fr-FR" smtClean="0"/>
+              <a:rPr lang="fr-FR"/>
               <a:t>Modifiez les styles du texte du masque</a:t>
             </a:r>
           </a:p>
           <a:p>
             <a:pPr lvl="1"/>
             <a:r>
-              <a:rPr lang="fr-FR" smtClean="0"/>
+              <a:rPr lang="fr-FR"/>
               <a:t>Deuxième niveau</a:t>
             </a:r>
           </a:p>
           <a:p>
             <a:pPr lvl="2"/>
             <a:r>
-              <a:rPr lang="fr-FR" smtClean="0"/>
+              <a:rPr lang="fr-FR"/>
               <a:t>Troisième niveau</a:t>
             </a:r>
           </a:p>
           <a:p>
             <a:pPr lvl="3"/>
             <a:r>
-              <a:rPr lang="fr-FR" smtClean="0"/>
+              <a:rPr lang="fr-FR"/>
               <a:t>Quatrième niveau</a:t>
             </a:r>
           </a:p>
           <a:p>
             <a:pPr lvl="4"/>
             <a:r>
-              <a:rPr lang="fr-FR" smtClean="0"/>
+              <a:rPr lang="fr-FR"/>
               <a:t>Cinquième niveau</a:t>
             </a:r>
-            <a:endParaRPr lang="fr-FR"/>
           </a:p>
         </p:txBody>
       </p:sp>
@@ -1529,7 +1515,7 @@
           <a:p>
             <a:pPr lvl="0"/>
             <a:r>
-              <a:rPr lang="fr-FR" smtClean="0"/>
+              <a:rPr lang="fr-FR"/>
               <a:t>Modifiez les styles du texte du masque</a:t>
             </a:r>
           </a:p>
@@ -1557,38 +1543,37 @@
           <a:p>
             <a:pPr lvl="0"/>
             <a:r>
-              <a:rPr lang="fr-FR" smtClean="0"/>
+              <a:rPr lang="fr-FR"/>
               <a:t>Modifiez les styles du texte du masque</a:t>
             </a:r>
           </a:p>
           <a:p>
             <a:pPr lvl="1"/>
             <a:r>
-              <a:rPr lang="fr-FR" smtClean="0"/>
+              <a:rPr lang="fr-FR"/>
               <a:t>Deuxième niveau</a:t>
             </a:r>
           </a:p>
           <a:p>
             <a:pPr lvl="2"/>
             <a:r>
-              <a:rPr lang="fr-FR" smtClean="0"/>
+              <a:rPr lang="fr-FR"/>
               <a:t>Troisième niveau</a:t>
             </a:r>
           </a:p>
           <a:p>
             <a:pPr lvl="3"/>
             <a:r>
-              <a:rPr lang="fr-FR" smtClean="0"/>
+              <a:rPr lang="fr-FR"/>
               <a:t>Quatrième niveau</a:t>
             </a:r>
           </a:p>
           <a:p>
             <a:pPr lvl="4"/>
             <a:r>
-              <a:rPr lang="fr-FR" smtClean="0"/>
+              <a:rPr lang="fr-FR"/>
               <a:t>Cinquième niveau</a:t>
             </a:r>
-            <a:endParaRPr lang="fr-FR"/>
           </a:p>
         </p:txBody>
       </p:sp>
@@ -1609,7 +1594,7 @@
           <a:p>
             <a:fld id="{2EBAB665-FDAC-4018-B6BF-0BAA815CD983}" type="datetimeFigureOut">
               <a:rPr lang="fr-FR" smtClean="0"/>
-              <a:t>26/10/2014</a:t>
+              <a:t>24/08/2016</a:t>
             </a:fld>
             <a:endParaRPr lang="fr-FR"/>
           </a:p>
@@ -1703,10 +1688,9 @@
           <a:lstStyle/>
           <a:p>
             <a:r>
-              <a:rPr lang="fr-FR" smtClean="0"/>
+              <a:rPr lang="fr-FR"/>
               <a:t>Modifiez le style du titre</a:t>
             </a:r>
-            <a:endParaRPr lang="fr-FR"/>
           </a:p>
         </p:txBody>
       </p:sp>
@@ -1727,7 +1711,7 @@
           <a:p>
             <a:fld id="{2EBAB665-FDAC-4018-B6BF-0BAA815CD983}" type="datetimeFigureOut">
               <a:rPr lang="fr-FR" smtClean="0"/>
-              <a:t>26/10/2014</a:t>
+              <a:t>24/08/2016</a:t>
             </a:fld>
             <a:endParaRPr lang="fr-FR"/>
           </a:p>
@@ -1822,7 +1806,7 @@
           <a:p>
             <a:fld id="{2EBAB665-FDAC-4018-B6BF-0BAA815CD983}" type="datetimeFigureOut">
               <a:rPr lang="fr-FR" smtClean="0"/>
-              <a:t>26/10/2014</a:t>
+              <a:t>24/08/2016</a:t>
             </a:fld>
             <a:endParaRPr lang="fr-FR"/>
           </a:p>
@@ -1925,10 +1909,9 @@
           </a:lstStyle>
           <a:p>
             <a:r>
-              <a:rPr lang="fr-FR" smtClean="0"/>
+              <a:rPr lang="fr-FR"/>
               <a:t>Modifiez le style du titre</a:t>
             </a:r>
-            <a:endParaRPr lang="fr-FR"/>
           </a:p>
         </p:txBody>
       </p:sp>
@@ -1982,38 +1965,37 @@
           <a:p>
             <a:pPr lvl="0"/>
             <a:r>
-              <a:rPr lang="fr-FR" smtClean="0"/>
+              <a:rPr lang="fr-FR"/>
               <a:t>Modifiez les styles du texte du masque</a:t>
             </a:r>
           </a:p>
           <a:p>
             <a:pPr lvl="1"/>
             <a:r>
-              <a:rPr lang="fr-FR" smtClean="0"/>
+              <a:rPr lang="fr-FR"/>
               <a:t>Deuxième niveau</a:t>
             </a:r>
           </a:p>
           <a:p>
             <a:pPr lvl="2"/>
             <a:r>
-              <a:rPr lang="fr-FR" smtClean="0"/>
+              <a:rPr lang="fr-FR"/>
               <a:t>Troisième niveau</a:t>
             </a:r>
           </a:p>
           <a:p>
             <a:pPr lvl="3"/>
             <a:r>
-              <a:rPr lang="fr-FR" smtClean="0"/>
+              <a:rPr lang="fr-FR"/>
               <a:t>Quatrième niveau</a:t>
             </a:r>
           </a:p>
           <a:p>
             <a:pPr lvl="4"/>
             <a:r>
-              <a:rPr lang="fr-FR" smtClean="0"/>
+              <a:rPr lang="fr-FR"/>
               <a:t>Cinquième niveau</a:t>
             </a:r>
-            <a:endParaRPr lang="fr-FR"/>
           </a:p>
         </p:txBody>
       </p:sp>
@@ -2076,7 +2058,7 @@
           <a:p>
             <a:pPr lvl="0"/>
             <a:r>
-              <a:rPr lang="fr-FR" smtClean="0"/>
+              <a:rPr lang="fr-FR"/>
               <a:t>Modifiez les styles du texte du masque</a:t>
             </a:r>
           </a:p>
@@ -2099,7 +2081,7 @@
           <a:p>
             <a:fld id="{2EBAB665-FDAC-4018-B6BF-0BAA815CD983}" type="datetimeFigureOut">
               <a:rPr lang="fr-FR" smtClean="0"/>
-              <a:t>26/10/2014</a:t>
+              <a:t>24/08/2016</a:t>
             </a:fld>
             <a:endParaRPr lang="fr-FR"/>
           </a:p>
@@ -2202,10 +2184,9 @@
           </a:lstStyle>
           <a:p>
             <a:r>
-              <a:rPr lang="fr-FR" smtClean="0"/>
+              <a:rPr lang="fr-FR"/>
               <a:t>Modifiez le style du titre</a:t>
             </a:r>
-            <a:endParaRPr lang="fr-FR"/>
           </a:p>
         </p:txBody>
       </p:sp>
@@ -2329,7 +2310,7 @@
           <a:p>
             <a:pPr lvl="0"/>
             <a:r>
-              <a:rPr lang="fr-FR" smtClean="0"/>
+              <a:rPr lang="fr-FR"/>
               <a:t>Modifiez les styles du texte du masque</a:t>
             </a:r>
           </a:p>
@@ -2352,7 +2333,7 @@
           <a:p>
             <a:fld id="{2EBAB665-FDAC-4018-B6BF-0BAA815CD983}" type="datetimeFigureOut">
               <a:rPr lang="fr-FR" smtClean="0"/>
-              <a:t>26/10/2014</a:t>
+              <a:t>24/08/2016</a:t>
             </a:fld>
             <a:endParaRPr lang="fr-FR"/>
           </a:p>
@@ -2461,10 +2442,9 @@
           <a:lstStyle/>
           <a:p>
             <a:r>
-              <a:rPr lang="fr-FR" smtClean="0"/>
+              <a:rPr lang="fr-FR"/>
               <a:t>Modifiez le style du titre</a:t>
             </a:r>
-            <a:endParaRPr lang="fr-FR"/>
           </a:p>
         </p:txBody>
       </p:sp>
@@ -2495,38 +2475,37 @@
           <a:p>
             <a:pPr lvl="0"/>
             <a:r>
-              <a:rPr lang="fr-FR" smtClean="0"/>
+              <a:rPr lang="fr-FR"/>
               <a:t>Modifiez les styles du texte du masque</a:t>
             </a:r>
           </a:p>
           <a:p>
             <a:pPr lvl="1"/>
             <a:r>
-              <a:rPr lang="fr-FR" smtClean="0"/>
+              <a:rPr lang="fr-FR"/>
               <a:t>Deuxième niveau</a:t>
             </a:r>
           </a:p>
           <a:p>
             <a:pPr lvl="2"/>
             <a:r>
-              <a:rPr lang="fr-FR" smtClean="0"/>
+              <a:rPr lang="fr-FR"/>
               <a:t>Troisième niveau</a:t>
             </a:r>
           </a:p>
           <a:p>
             <a:pPr lvl="3"/>
             <a:r>
-              <a:rPr lang="fr-FR" smtClean="0"/>
+              <a:rPr lang="fr-FR"/>
               <a:t>Quatrième niveau</a:t>
             </a:r>
           </a:p>
           <a:p>
             <a:pPr lvl="4"/>
             <a:r>
-              <a:rPr lang="fr-FR" smtClean="0"/>
+              <a:rPr lang="fr-FR"/>
               <a:t>Cinquième niveau</a:t>
             </a:r>
-            <a:endParaRPr lang="fr-FR"/>
           </a:p>
         </p:txBody>
       </p:sp>
@@ -2565,7 +2544,7 @@
           <a:p>
             <a:fld id="{2EBAB665-FDAC-4018-B6BF-0BAA815CD983}" type="datetimeFigureOut">
               <a:rPr lang="fr-FR" smtClean="0"/>
-              <a:t>26/10/2014</a:t>
+              <a:t>24/08/2016</a:t>
             </a:fld>
             <a:endParaRPr lang="fr-FR"/>
           </a:p>
@@ -2997,22 +2976,21 @@
           <a:lstStyle/>
           <a:p>
             <a:r>
-              <a:rPr lang="fr-FR" sz="800" dirty="0" err="1" smtClean="0"/>
+              <a:rPr lang="fr-FR" sz="800" dirty="0" err="1"/>
               <a:t>Same</a:t>
             </a:r>
             <a:r>
-              <a:rPr lang="fr-FR" sz="800" dirty="0" smtClean="0"/>
+              <a:rPr lang="fr-FR" sz="800" dirty="0"/>
               <a:t> as </a:t>
             </a:r>
             <a:r>
-              <a:rPr lang="fr-FR" sz="800" dirty="0" err="1" smtClean="0"/>
+              <a:rPr lang="fr-FR" sz="800" dirty="0" err="1"/>
               <a:t>other</a:t>
             </a:r>
             <a:r>
-              <a:rPr lang="fr-FR" sz="800" dirty="0" smtClean="0"/>
+              <a:rPr lang="fr-FR" sz="800" dirty="0"/>
               <a:t> clients</a:t>
             </a:r>
-            <a:endParaRPr lang="fr-FR" sz="800" dirty="0"/>
           </a:p>
         </p:txBody>
       </p:sp>
@@ -3043,36 +3021,36 @@
           <a:lstStyle/>
           <a:p>
             <a:r>
-              <a:rPr lang="fr-FR" sz="800" dirty="0" err="1" smtClean="0"/>
+              <a:rPr lang="fr-FR" sz="800" dirty="0" err="1"/>
               <a:t>Poll</a:t>
             </a:r>
             <a:r>
-              <a:rPr lang="fr-FR" sz="800" dirty="0" smtClean="0"/>
+              <a:rPr lang="fr-FR" sz="800" dirty="0"/>
               <a:t> </a:t>
             </a:r>
             <a:r>
-              <a:rPr lang="fr-FR" sz="800" dirty="0" err="1" smtClean="0"/>
+              <a:rPr lang="fr-FR" sz="800" dirty="0" err="1"/>
               <a:t>database</a:t>
             </a:r>
             <a:r>
-              <a:rPr lang="fr-FR" sz="800" dirty="0" smtClean="0"/>
+              <a:rPr lang="fr-FR" sz="800" dirty="0"/>
               <a:t> for jobs</a:t>
             </a:r>
           </a:p>
           <a:p>
             <a:r>
-              <a:rPr lang="fr-FR" sz="800" dirty="0" smtClean="0"/>
+              <a:rPr lang="fr-FR" sz="800" dirty="0"/>
               <a:t>Update </a:t>
             </a:r>
             <a:r>
-              <a:rPr lang="fr-FR" sz="800" dirty="0" err="1" smtClean="0"/>
+              <a:rPr lang="fr-FR" sz="800" dirty="0" err="1"/>
               <a:t>status</a:t>
             </a:r>
-            <a:endParaRPr lang="fr-FR" sz="800" dirty="0" smtClean="0"/>
-          </a:p>
-          <a:p>
-            <a:r>
-              <a:rPr lang="fr-FR" sz="800" dirty="0" smtClean="0"/>
+            <a:endParaRPr lang="fr-FR" sz="800" dirty="0"/>
+          </a:p>
+          <a:p>
+            <a:r>
+              <a:rPr lang="fr-FR" sz="800" dirty="0"/>
               <a:t>…</a:t>
             </a:r>
           </a:p>
@@ -3120,18 +3098,17 @@
           <a:p>
             <a:pPr algn="ctr"/>
             <a:r>
-              <a:rPr lang="fr-FR" dirty="0" smtClean="0"/>
+              <a:rPr lang="fr-FR" dirty="0"/>
               <a:t>Client application (</a:t>
             </a:r>
             <a:r>
-              <a:rPr lang="fr-FR" dirty="0" err="1" smtClean="0"/>
+              <a:rPr lang="fr-FR" dirty="0" err="1"/>
               <a:t>webapp</a:t>
             </a:r>
             <a:r>
-              <a:rPr lang="fr-FR" dirty="0" smtClean="0"/>
+              <a:rPr lang="fr-FR" dirty="0"/>
               <a:t>, …)</a:t>
             </a:r>
-            <a:endParaRPr lang="fr-FR" dirty="0"/>
           </a:p>
         </p:txBody>
       </p:sp>
@@ -3177,10 +3154,9 @@
           <a:p>
             <a:pPr algn="ctr"/>
             <a:r>
-              <a:rPr lang="fr-FR" sz="1400" dirty="0" smtClean="0"/>
+              <a:rPr lang="fr-FR" sz="1400" dirty="0"/>
               <a:t>JQM Client API</a:t>
             </a:r>
-            <a:endParaRPr lang="fr-FR" sz="1400" dirty="0"/>
           </a:p>
         </p:txBody>
       </p:sp>
@@ -3226,18 +3202,17 @@
           <a:p>
             <a:pPr algn="ctr"/>
             <a:r>
-              <a:rPr lang="fr-FR" dirty="0" smtClean="0"/>
+              <a:rPr lang="fr-FR" dirty="0"/>
               <a:t>JQM </a:t>
             </a:r>
             <a:r>
-              <a:rPr lang="fr-FR" dirty="0" err="1" smtClean="0"/>
+              <a:rPr lang="fr-FR" dirty="0" err="1"/>
               <a:t>database</a:t>
             </a:r>
             <a:r>
-              <a:rPr lang="fr-FR" dirty="0" smtClean="0"/>
-              <a:t> (Oracle, MySQL)</a:t>
-            </a:r>
-            <a:endParaRPr lang="fr-FR" dirty="0"/>
+              <a:rPr lang="fr-FR" dirty="0"/>
+              <a:t> (Oracle, PostgreSQL)</a:t>
+            </a:r>
           </a:p>
         </p:txBody>
       </p:sp>
@@ -3309,39 +3284,39 @@
           <a:lstStyle/>
           <a:p>
             <a:r>
-              <a:rPr lang="fr-FR" sz="800" dirty="0" err="1" smtClean="0"/>
+              <a:rPr lang="fr-FR" sz="800" dirty="0" err="1"/>
               <a:t>Enqueue</a:t>
             </a:r>
             <a:r>
-              <a:rPr lang="fr-FR" sz="800" dirty="0" smtClean="0"/>
+              <a:rPr lang="fr-FR" sz="800" dirty="0"/>
               <a:t> job </a:t>
             </a:r>
             <a:r>
-              <a:rPr lang="fr-FR" sz="800" dirty="0" err="1" smtClean="0"/>
+              <a:rPr lang="fr-FR" sz="800" dirty="0" err="1"/>
               <a:t>requests</a:t>
             </a:r>
-            <a:endParaRPr lang="fr-FR" sz="800" dirty="0" smtClean="0"/>
-          </a:p>
-          <a:p>
-            <a:r>
-              <a:rPr lang="fr-FR" sz="800" dirty="0" smtClean="0"/>
+            <a:endParaRPr lang="fr-FR" sz="800" dirty="0"/>
+          </a:p>
+          <a:p>
+            <a:r>
+              <a:rPr lang="fr-FR" sz="800" dirty="0"/>
               <a:t>Check job instance </a:t>
             </a:r>
             <a:r>
-              <a:rPr lang="fr-FR" sz="800" dirty="0" err="1" smtClean="0"/>
+              <a:rPr lang="fr-FR" sz="800" dirty="0" err="1"/>
               <a:t>status</a:t>
             </a:r>
-            <a:endParaRPr lang="fr-FR" sz="800" dirty="0" smtClean="0"/>
-          </a:p>
-          <a:p>
-            <a:r>
-              <a:rPr lang="fr-FR" sz="800" dirty="0" smtClean="0"/>
+            <a:endParaRPr lang="fr-FR" sz="800" dirty="0"/>
+          </a:p>
+          <a:p>
+            <a:r>
+              <a:rPr lang="fr-FR" sz="800" dirty="0"/>
               <a:t>Cancel job instance</a:t>
             </a:r>
           </a:p>
           <a:p>
             <a:r>
-              <a:rPr lang="fr-FR" sz="800" dirty="0" smtClean="0"/>
+              <a:rPr lang="fr-FR" sz="800" dirty="0"/>
               <a:t>…</a:t>
             </a:r>
           </a:p>
@@ -3404,18 +3379,17 @@
             <a:p>
               <a:pPr algn="ctr"/>
               <a:r>
-                <a:rPr lang="fr-FR" dirty="0" smtClean="0"/>
+                <a:rPr lang="fr-FR" dirty="0"/>
                 <a:t>JQM </a:t>
               </a:r>
               <a:r>
-                <a:rPr lang="fr-FR" dirty="0" err="1" smtClean="0"/>
+                <a:rPr lang="fr-FR" dirty="0" err="1"/>
                 <a:t>Engine</a:t>
               </a:r>
               <a:r>
-                <a:rPr lang="fr-FR" dirty="0" smtClean="0"/>
+                <a:rPr lang="fr-FR" dirty="0"/>
                 <a:t> 1</a:t>
               </a:r>
-              <a:endParaRPr lang="fr-FR" dirty="0"/>
             </a:p>
           </p:txBody>
         </p:sp>
@@ -3461,14 +3435,13 @@
             <a:p>
               <a:pPr algn="ctr"/>
               <a:r>
-                <a:rPr lang="fr-FR" sz="1400" dirty="0" err="1" smtClean="0"/>
+                <a:rPr lang="fr-FR" sz="1400" dirty="0" err="1"/>
                 <a:t>Payload</a:t>
               </a:r>
               <a:r>
-                <a:rPr lang="fr-FR" sz="1400" dirty="0" smtClean="0"/>
+                <a:rPr lang="fr-FR" sz="1400" dirty="0"/>
                 <a:t> jars</a:t>
               </a:r>
-              <a:endParaRPr lang="fr-FR" sz="1400" dirty="0"/>
             </a:p>
           </p:txBody>
         </p:sp>
@@ -3572,18 +3545,17 @@
             <a:p>
               <a:pPr algn="ctr"/>
               <a:r>
-                <a:rPr lang="fr-FR" dirty="0" smtClean="0"/>
+                <a:rPr lang="fr-FR" dirty="0"/>
                 <a:t>JQM </a:t>
               </a:r>
               <a:r>
-                <a:rPr lang="fr-FR" dirty="0" err="1" smtClean="0"/>
+                <a:rPr lang="fr-FR" dirty="0" err="1"/>
                 <a:t>Engine</a:t>
               </a:r>
               <a:r>
-                <a:rPr lang="fr-FR" dirty="0" smtClean="0"/>
+                <a:rPr lang="fr-FR" dirty="0"/>
                 <a:t> 2</a:t>
               </a:r>
-              <a:endParaRPr lang="fr-FR" dirty="0"/>
             </a:p>
           </p:txBody>
         </p:sp>
@@ -3629,14 +3601,13 @@
             <a:p>
               <a:pPr algn="ctr"/>
               <a:r>
-                <a:rPr lang="fr-FR" sz="1400" dirty="0" err="1" smtClean="0"/>
+                <a:rPr lang="fr-FR" sz="1400" dirty="0" err="1"/>
                 <a:t>Payload</a:t>
               </a:r>
               <a:r>
-                <a:rPr lang="fr-FR" sz="1400" dirty="0" smtClean="0"/>
+                <a:rPr lang="fr-FR" sz="1400" dirty="0"/>
                 <a:t> jars</a:t>
               </a:r>
-              <a:endParaRPr lang="fr-FR" sz="1400" dirty="0"/>
             </a:p>
           </p:txBody>
         </p:sp>
@@ -3689,7 +3660,7 @@
         </p:nvSpPr>
         <p:spPr>
           <a:xfrm>
-            <a:off x="5808001" y="3935708"/>
+            <a:off x="5808001" y="4564883"/>
             <a:ext cx="1863634" cy="1132115"/>
           </a:xfrm>
           <a:prstGeom prst="rect">
@@ -3723,10 +3694,9 @@
           <a:p>
             <a:pPr algn="ctr"/>
             <a:r>
-              <a:rPr lang="fr-FR" dirty="0" smtClean="0"/>
+              <a:rPr lang="fr-FR" dirty="0"/>
               <a:t>REST Web Service</a:t>
             </a:r>
-            <a:endParaRPr lang="fr-FR" dirty="0"/>
           </a:p>
         </p:txBody>
       </p:sp>
@@ -3738,7 +3708,7 @@
         </p:nvSpPr>
         <p:spPr>
           <a:xfrm>
-            <a:off x="6435018" y="4784794"/>
+            <a:off x="6435018" y="5413969"/>
             <a:ext cx="1863634" cy="566058"/>
           </a:xfrm>
           <a:prstGeom prst="rect">
@@ -3772,10 +3742,9 @@
           <a:p>
             <a:pPr algn="ctr"/>
             <a:r>
-              <a:rPr lang="fr-FR" sz="1400" dirty="0" smtClean="0"/>
+              <a:rPr lang="fr-FR" sz="1400" dirty="0"/>
               <a:t>JQM Client API</a:t>
             </a:r>
-            <a:endParaRPr lang="fr-FR" sz="1400" dirty="0"/>
           </a:p>
         </p:txBody>
       </p:sp>
@@ -3790,12 +3759,12 @@
         </p:nvCxnSpPr>
         <p:spPr>
           <a:xfrm rot="5400000" flipH="1">
-            <a:off x="5479843" y="3463861"/>
-            <a:ext cx="312941" cy="3461043"/>
+            <a:off x="5165256" y="3778448"/>
+            <a:ext cx="942116" cy="3461043"/>
           </a:xfrm>
           <a:prstGeom prst="bentConnector3">
             <a:avLst>
-              <a:gd name="adj1" fmla="val -73049"/>
+              <a:gd name="adj1" fmla="val -24265"/>
             </a:avLst>
           </a:prstGeom>
           <a:ln w="38100">
@@ -3863,22 +3832,21 @@
           <a:p>
             <a:pPr algn="ctr"/>
             <a:r>
-              <a:rPr lang="fr-FR" dirty="0" err="1" smtClean="0"/>
+              <a:rPr lang="fr-FR" dirty="0" err="1"/>
               <a:t>External</a:t>
             </a:r>
             <a:r>
-              <a:rPr lang="fr-FR" dirty="0" smtClean="0"/>
+              <a:rPr lang="fr-FR" dirty="0"/>
               <a:t> program (</a:t>
             </a:r>
             <a:r>
-              <a:rPr lang="fr-FR" dirty="0" err="1" smtClean="0"/>
+              <a:rPr lang="fr-FR" dirty="0" err="1"/>
               <a:t>scheduler</a:t>
             </a:r>
             <a:r>
-              <a:rPr lang="fr-FR" dirty="0" smtClean="0"/>
+              <a:rPr lang="fr-FR" dirty="0"/>
               <a:t>, script…)</a:t>
             </a:r>
-            <a:endParaRPr lang="fr-FR" dirty="0"/>
           </a:p>
         </p:txBody>
       </p:sp>
@@ -3893,8 +3861,8 @@
         </p:nvCxnSpPr>
         <p:spPr>
           <a:xfrm rot="10800000" flipV="1">
-            <a:off x="7671636" y="2126662"/>
-            <a:ext cx="432143" cy="2375104"/>
+            <a:off x="7671636" y="2126661"/>
+            <a:ext cx="432143" cy="3004279"/>
           </a:xfrm>
           <a:prstGeom prst="bentConnector3">
             <a:avLst>
@@ -3966,10 +3934,9 @@
           <a:p>
             <a:pPr algn="ctr"/>
             <a:r>
-              <a:rPr lang="fr-FR" dirty="0" smtClean="0"/>
+              <a:rPr lang="fr-FR" dirty="0"/>
               <a:t>Administrative interface</a:t>
             </a:r>
-            <a:endParaRPr lang="fr-FR" dirty="0"/>
           </a:p>
         </p:txBody>
       </p:sp>
@@ -3977,14 +3944,15 @@
         <p:nvCxnSpPr>
           <p:cNvPr id="25" name="Connecteur en angle 24"/>
           <p:cNvCxnSpPr>
+            <a:stCxn id="18" idx="1"/>
             <a:endCxn id="24" idx="3"/>
           </p:cNvCxnSpPr>
           <p:nvPr/>
         </p:nvCxnSpPr>
         <p:spPr>
           <a:xfrm rot="10800000" flipV="1">
-            <a:off x="2329540" y="4945227"/>
-            <a:ext cx="931817" cy="835372"/>
+            <a:off x="2329539" y="5130941"/>
+            <a:ext cx="3478462" cy="649658"/>
           </a:xfrm>
           <a:prstGeom prst="bentConnector3">
             <a:avLst>
@@ -4025,8 +3993,8 @@
         </p:nvCxnSpPr>
         <p:spPr>
           <a:xfrm rot="16200000" flipH="1">
-            <a:off x="5769024" y="2964914"/>
-            <a:ext cx="1480652" cy="460936"/>
+            <a:off x="5454437" y="3279501"/>
+            <a:ext cx="2109827" cy="460936"/>
           </a:xfrm>
           <a:prstGeom prst="bentConnector3">
             <a:avLst/>
@@ -4127,10 +4095,9 @@
           <a:p>
             <a:pPr algn="ctr"/>
             <a:r>
-              <a:rPr lang="fr-FR" dirty="0" smtClean="0"/>
+              <a:rPr lang="fr-FR" dirty="0"/>
               <a:t>JQM Engine 1</a:t>
             </a:r>
-            <a:endParaRPr lang="fr-FR" dirty="0"/>
           </a:p>
         </p:txBody>
       </p:sp>
@@ -4176,11 +4143,11 @@
           <a:p>
             <a:pPr algn="ctr"/>
             <a:r>
-              <a:rPr lang="fr-FR" dirty="0" smtClean="0"/>
+              <a:rPr lang="fr-FR" dirty="0"/>
               <a:t>JQM </a:t>
             </a:r>
             <a:r>
-              <a:rPr lang="fr-FR" dirty="0" err="1" smtClean="0"/>
+              <a:rPr lang="fr-FR" dirty="0" err="1"/>
               <a:t>database</a:t>
             </a:r>
             <a:endParaRPr lang="fr-FR" dirty="0"/>
@@ -4250,10 +4217,9 @@
           <a:lstStyle/>
           <a:p>
             <a:r>
-              <a:rPr lang="fr-FR" dirty="0" smtClean="0"/>
+              <a:rPr lang="fr-FR" dirty="0"/>
               <a:t>Q1</a:t>
             </a:r>
-            <a:endParaRPr lang="fr-FR" dirty="0"/>
           </a:p>
         </p:txBody>
       </p:sp>
@@ -4360,10 +4326,9 @@
           <a:lstStyle/>
           <a:p>
             <a:r>
-              <a:rPr lang="fr-FR" dirty="0" smtClean="0"/>
+              <a:rPr lang="fr-FR" dirty="0"/>
               <a:t>Q2</a:t>
             </a:r>
-            <a:endParaRPr lang="fr-FR" dirty="0"/>
           </a:p>
         </p:txBody>
       </p:sp>
@@ -4390,10 +4355,9 @@
           <a:lstStyle/>
           <a:p>
             <a:r>
-              <a:rPr lang="fr-FR" dirty="0" smtClean="0"/>
+              <a:rPr lang="fr-FR" dirty="0"/>
               <a:t>Q3</a:t>
             </a:r>
-            <a:endParaRPr lang="fr-FR" dirty="0"/>
           </a:p>
         </p:txBody>
       </p:sp>
@@ -4439,12 +4403,8 @@
           <a:p>
             <a:pPr algn="ctr"/>
             <a:r>
-              <a:rPr lang="fr-FR" dirty="0" smtClean="0"/>
-              <a:t>JQM Engine </a:t>
-            </a:r>
-            <a:r>
               <a:rPr lang="fr-FR" dirty="0"/>
-              <a:t>2</a:t>
+              <a:t>JQM Engine 2</a:t>
             </a:r>
           </a:p>
         </p:txBody>
@@ -4491,12 +4451,8 @@
           <a:p>
             <a:pPr algn="ctr"/>
             <a:r>
-              <a:rPr lang="fr-FR" dirty="0" smtClean="0"/>
-              <a:t>JQM Engine </a:t>
-            </a:r>
-            <a:r>
               <a:rPr lang="fr-FR" dirty="0"/>
-              <a:t>3</a:t>
+              <a:t>JQM Engine 3</a:t>
             </a:r>
           </a:p>
         </p:txBody>
@@ -4559,29 +4515,24 @@
           <a:lstStyle/>
           <a:p>
             <a:r>
-              <a:rPr lang="fr-FR" sz="1200" dirty="0" smtClean="0"/>
+              <a:rPr lang="fr-FR" sz="1200" dirty="0"/>
               <a:t>Polling </a:t>
             </a:r>
             <a:r>
-              <a:rPr lang="fr-FR" sz="1200" dirty="0" err="1" smtClean="0"/>
+              <a:rPr lang="fr-FR" sz="1200" dirty="0" err="1"/>
               <a:t>every</a:t>
             </a:r>
             <a:r>
-              <a:rPr lang="fr-FR" sz="1200" dirty="0" smtClean="0"/>
-              <a:t> </a:t>
-            </a:r>
-            <a:r>
-              <a:rPr lang="fr-FR" sz="1200" dirty="0" smtClean="0"/>
-              <a:t>60s</a:t>
+              <a:rPr lang="fr-FR" sz="1200" dirty="0"/>
+              <a:t> 60s</a:t>
             </a:r>
             <a:br>
-              <a:rPr lang="fr-FR" sz="1200" dirty="0" smtClean="0"/>
+              <a:rPr lang="fr-FR" sz="1200" dirty="0"/>
             </a:br>
             <a:r>
-              <a:rPr lang="fr-FR" sz="1200" i="1" dirty="0" smtClean="0"/>
+              <a:rPr lang="fr-FR" sz="1200" i="1" dirty="0"/>
               <a:t>2 slots</a:t>
             </a:r>
-            <a:endParaRPr lang="fr-FR" sz="1200" i="1" dirty="0"/>
           </a:p>
         </p:txBody>
       </p:sp>
@@ -4644,29 +4595,24 @@
           <a:lstStyle/>
           <a:p>
             <a:r>
-              <a:rPr lang="fr-FR" sz="1200" dirty="0" smtClean="0"/>
+              <a:rPr lang="fr-FR" sz="1200" dirty="0"/>
               <a:t>Polling </a:t>
             </a:r>
             <a:r>
-              <a:rPr lang="fr-FR" sz="1200" dirty="0" err="1" smtClean="0"/>
+              <a:rPr lang="fr-FR" sz="1200" dirty="0" err="1"/>
               <a:t>every</a:t>
             </a:r>
             <a:r>
-              <a:rPr lang="fr-FR" sz="1200" dirty="0" smtClean="0"/>
-              <a:t> </a:t>
-            </a:r>
-            <a:r>
-              <a:rPr lang="fr-FR" sz="1200" dirty="0" smtClean="0"/>
-              <a:t>10s</a:t>
+              <a:rPr lang="fr-FR" sz="1200" dirty="0"/>
+              <a:t> 10s</a:t>
             </a:r>
             <a:br>
-              <a:rPr lang="fr-FR" sz="1200" dirty="0" smtClean="0"/>
+              <a:rPr lang="fr-FR" sz="1200" dirty="0"/>
             </a:br>
             <a:r>
-              <a:rPr lang="fr-FR" sz="1200" i="1" dirty="0" smtClean="0"/>
+              <a:rPr lang="fr-FR" sz="1200" i="1" dirty="0"/>
               <a:t>1 slot</a:t>
             </a:r>
-            <a:endParaRPr lang="fr-FR" sz="1200" i="1" dirty="0"/>
           </a:p>
         </p:txBody>
       </p:sp>
@@ -4729,29 +4675,24 @@
           <a:lstStyle/>
           <a:p>
             <a:r>
-              <a:rPr lang="fr-FR" sz="1200" dirty="0" smtClean="0"/>
+              <a:rPr lang="fr-FR" sz="1200" dirty="0"/>
               <a:t>Polling </a:t>
             </a:r>
             <a:r>
-              <a:rPr lang="fr-FR" sz="1200" dirty="0" err="1" smtClean="0"/>
+              <a:rPr lang="fr-FR" sz="1200" dirty="0" err="1"/>
               <a:t>every</a:t>
             </a:r>
             <a:r>
-              <a:rPr lang="fr-FR" sz="1200" dirty="0" smtClean="0"/>
-              <a:t> </a:t>
-            </a:r>
-            <a:r>
-              <a:rPr lang="fr-FR" sz="1200" dirty="0" smtClean="0"/>
-              <a:t>5s</a:t>
+              <a:rPr lang="fr-FR" sz="1200" dirty="0"/>
+              <a:t> 5s</a:t>
             </a:r>
             <a:br>
-              <a:rPr lang="fr-FR" sz="1200" dirty="0" smtClean="0"/>
+              <a:rPr lang="fr-FR" sz="1200" dirty="0"/>
             </a:br>
             <a:r>
-              <a:rPr lang="fr-FR" sz="1200" i="1" dirty="0" smtClean="0"/>
+              <a:rPr lang="fr-FR" sz="1200" i="1" dirty="0"/>
               <a:t>100 slots</a:t>
             </a:r>
-            <a:endParaRPr lang="fr-FR" sz="1200" i="1" dirty="0"/>
           </a:p>
         </p:txBody>
       </p:sp>
@@ -4778,29 +4719,24 @@
           <a:lstStyle/>
           <a:p>
             <a:r>
-              <a:rPr lang="fr-FR" sz="1200" dirty="0" smtClean="0"/>
+              <a:rPr lang="fr-FR" sz="1200" dirty="0"/>
               <a:t>Polling </a:t>
             </a:r>
             <a:r>
-              <a:rPr lang="fr-FR" sz="1200" dirty="0" err="1" smtClean="0"/>
+              <a:rPr lang="fr-FR" sz="1200" dirty="0" err="1"/>
               <a:t>every</a:t>
             </a:r>
             <a:r>
-              <a:rPr lang="fr-FR" sz="1200" dirty="0" smtClean="0"/>
-              <a:t> </a:t>
-            </a:r>
-            <a:r>
-              <a:rPr lang="fr-FR" sz="1200" dirty="0" smtClean="0"/>
-              <a:t>120s</a:t>
+              <a:rPr lang="fr-FR" sz="1200" dirty="0"/>
+              <a:t> 120s</a:t>
             </a:r>
             <a:br>
-              <a:rPr lang="fr-FR" sz="1200" dirty="0" smtClean="0"/>
+              <a:rPr lang="fr-FR" sz="1200" dirty="0"/>
             </a:br>
             <a:r>
-              <a:rPr lang="fr-FR" sz="1200" i="1" dirty="0" smtClean="0"/>
+              <a:rPr lang="fr-FR" sz="1200" i="1" dirty="0"/>
               <a:t>10 slots</a:t>
             </a:r>
-            <a:endParaRPr lang="fr-FR" sz="1200" i="1" dirty="0"/>
           </a:p>
         </p:txBody>
       </p:sp>
